--- a/4 ⚙️ Solution/70 🌳 Ambient/75 🔒 Brand Padlocks/00 📎 Assets/🔒 .pptx
+++ b/4 ⚙️ Solution/70 🌳 Ambient/75 🔒 Brand Padlocks/00 📎 Assets/🔒 .pptx
@@ -30,7 +30,7 @@
       <p:boldItalic r:id="rId14"/>
     </p:embeddedFont>
     <p:embeddedFont>
-      <p:font typeface="Amazon Ember Display" panose="020B0603020204020204" pitchFamily="34" charset="0"/>
+      <p:font typeface="Amazon Ember Display" panose="020F0603020204020204" pitchFamily="34" charset="0"/>
       <p:regular r:id="rId15"/>
       <p:bold r:id="rId16"/>
       <p:italic r:id="rId17"/>
@@ -14109,235 +14109,6 @@
           </p:txBody>
         </p:sp>
       </p:grpSp>
-      <p:sp>
-        <p:nvSpPr>
-          <p:cNvPr id="6" name="Rounded Rectangle 5">
-            <a:extLst>
-              <a:ext uri="{FF2B5EF4-FFF2-40B4-BE49-F238E27FC236}">
-                <a16:creationId xmlns:a16="http://schemas.microsoft.com/office/drawing/2014/main" id="{7B7B10C7-7028-C45E-98A3-A3AF80CC3A9A}"/>
-              </a:ext>
-            </a:extLst>
-          </p:cNvPr>
-          <p:cNvSpPr/>
-          <p:nvPr/>
-        </p:nvSpPr>
-        <p:spPr>
-          <a:xfrm>
-            <a:off x="9371620" y="1693431"/>
-            <a:ext cx="360000" cy="360000"/>
-          </a:xfrm>
-          <a:prstGeom prst="roundRect">
-            <a:avLst/>
-          </a:prstGeom>
-          <a:solidFill>
-            <a:schemeClr val="accent5"/>
-          </a:solidFill>
-          <a:ln>
-            <a:noFill/>
-          </a:ln>
-        </p:spPr>
-        <p:style>
-          <a:lnRef idx="0">
-            <a:scrgbClr r="0" g="0" b="0"/>
-          </a:lnRef>
-          <a:fillRef idx="0">
-            <a:scrgbClr r="0" g="0" b="0"/>
-          </a:fillRef>
-          <a:effectRef idx="0">
-            <a:scrgbClr r="0" g="0" b="0"/>
-          </a:effectRef>
-          <a:fontRef idx="minor">
-            <a:schemeClr val="lt1"/>
-          </a:fontRef>
-        </p:style>
-        <p:txBody>
-          <a:bodyPr lIns="45720" tIns="45720" rIns="45720" rtlCol="0" anchor="ctr"/>
-          <a:lstStyle/>
-          <a:p>
-            <a:pPr algn="ctr"/>
-            <a:r>
-              <a:rPr lang="en-GB" b="1" dirty="0">
-                <a:solidFill>
-                  <a:schemeClr val="tx1"/>
-                </a:solidFill>
-              </a:rPr>
-              <a:t>3</a:t>
-            </a:r>
-          </a:p>
-        </p:txBody>
-      </p:sp>
-      <p:sp>
-        <p:nvSpPr>
-          <p:cNvPr id="113" name="TextBox 112">
-            <a:extLst>
-              <a:ext uri="{FF2B5EF4-FFF2-40B4-BE49-F238E27FC236}">
-                <a16:creationId xmlns:a16="http://schemas.microsoft.com/office/drawing/2014/main" id="{20D2BFA3-6BC8-9584-A398-30BBB4EB8F4C}"/>
-              </a:ext>
-            </a:extLst>
-          </p:cNvPr>
-          <p:cNvSpPr txBox="1"/>
-          <p:nvPr/>
-        </p:nvSpPr>
-        <p:spPr>
-          <a:xfrm>
-            <a:off x="9731619" y="1654267"/>
-            <a:ext cx="2069385" cy="400110"/>
-          </a:xfrm>
-          <a:prstGeom prst="rect">
-            <a:avLst/>
-          </a:prstGeom>
-          <a:noFill/>
-        </p:spPr>
-        <p:txBody>
-          <a:bodyPr wrap="square">
-            <a:spAutoFit/>
-          </a:bodyPr>
-          <a:lstStyle/>
-          <a:p>
-            <a:r>
-              <a:rPr lang="en-GB" sz="2000" i="1" dirty="0">
-                <a:solidFill>
-                  <a:schemeClr val="bg2">
-                    <a:lumMod val="40000"/>
-                    <a:lumOff val="60000"/>
-                  </a:schemeClr>
-                </a:solidFill>
-                <a:effectLst>
-                  <a:glow>
-                    <a:schemeClr val="bg1"/>
-                  </a:glow>
-                </a:effectLst>
-              </a:rPr>
-              <a:t>NFC commands</a:t>
-            </a:r>
-          </a:p>
-        </p:txBody>
-      </p:sp>
-      <p:grpSp>
-        <p:nvGrpSpPr>
-          <p:cNvPr id="114" name="Group 113">
-            <a:extLst>
-              <a:ext uri="{FF2B5EF4-FFF2-40B4-BE49-F238E27FC236}">
-                <a16:creationId xmlns:a16="http://schemas.microsoft.com/office/drawing/2014/main" id="{B41C8737-D8E0-80AD-5034-408F33CE6FA3}"/>
-              </a:ext>
-            </a:extLst>
-          </p:cNvPr>
-          <p:cNvGrpSpPr/>
-          <p:nvPr/>
-        </p:nvGrpSpPr>
-        <p:grpSpPr>
-          <a:xfrm>
-            <a:off x="9371620" y="3210404"/>
-            <a:ext cx="2379655" cy="400110"/>
-            <a:chOff x="9508300" y="3776668"/>
-            <a:chExt cx="2379655" cy="400110"/>
-          </a:xfrm>
-        </p:grpSpPr>
-        <p:sp>
-          <p:nvSpPr>
-            <p:cNvPr id="115" name="TextBox 114">
-              <a:extLst>
-                <a:ext uri="{FF2B5EF4-FFF2-40B4-BE49-F238E27FC236}">
-                  <a16:creationId xmlns:a16="http://schemas.microsoft.com/office/drawing/2014/main" id="{7FD0D2FF-523E-7808-20EC-AAACCA56AD32}"/>
-                </a:ext>
-              </a:extLst>
-            </p:cNvPr>
-            <p:cNvSpPr txBox="1"/>
-            <p:nvPr/>
-          </p:nvSpPr>
-          <p:spPr>
-            <a:xfrm>
-              <a:off x="9868299" y="3776668"/>
-              <a:ext cx="2019656" cy="400110"/>
-            </a:xfrm>
-            <a:prstGeom prst="rect">
-              <a:avLst/>
-            </a:prstGeom>
-            <a:noFill/>
-          </p:spPr>
-          <p:txBody>
-            <a:bodyPr wrap="square">
-              <a:spAutoFit/>
-            </a:bodyPr>
-            <a:lstStyle/>
-            <a:p>
-              <a:r>
-                <a:rPr lang="en-GB" sz="2000" i="1" dirty="0">
-                  <a:solidFill>
-                    <a:schemeClr val="bg2">
-                      <a:lumMod val="40000"/>
-                      <a:lumOff val="60000"/>
-                    </a:schemeClr>
-                  </a:solidFill>
-                  <a:effectLst>
-                    <a:glow>
-                      <a:schemeClr val="bg1"/>
-                    </a:glow>
-                  </a:effectLst>
-                </a:rPr>
-                <a:t>NFC responses</a:t>
-              </a:r>
-            </a:p>
-          </p:txBody>
-        </p:sp>
-        <p:sp>
-          <p:nvSpPr>
-            <p:cNvPr id="116" name="Rounded Rectangle 115">
-              <a:extLst>
-                <a:ext uri="{FF2B5EF4-FFF2-40B4-BE49-F238E27FC236}">
-                  <a16:creationId xmlns:a16="http://schemas.microsoft.com/office/drawing/2014/main" id="{DD374950-C106-62D2-30A7-3AAD1C5A90CC}"/>
-                </a:ext>
-              </a:extLst>
-            </p:cNvPr>
-            <p:cNvSpPr/>
-            <p:nvPr/>
-          </p:nvSpPr>
-          <p:spPr>
-            <a:xfrm>
-              <a:off x="9508300" y="3806762"/>
-              <a:ext cx="360000" cy="360000"/>
-            </a:xfrm>
-            <a:prstGeom prst="roundRect">
-              <a:avLst/>
-            </a:prstGeom>
-            <a:solidFill>
-              <a:schemeClr val="accent5"/>
-            </a:solidFill>
-            <a:ln>
-              <a:noFill/>
-            </a:ln>
-          </p:spPr>
-          <p:style>
-            <a:lnRef idx="0">
-              <a:scrgbClr r="0" g="0" b="0"/>
-            </a:lnRef>
-            <a:fillRef idx="0">
-              <a:scrgbClr r="0" g="0" b="0"/>
-            </a:fillRef>
-            <a:effectRef idx="0">
-              <a:scrgbClr r="0" g="0" b="0"/>
-            </a:effectRef>
-            <a:fontRef idx="minor">
-              <a:schemeClr val="lt1"/>
-            </a:fontRef>
-          </p:style>
-          <p:txBody>
-            <a:bodyPr lIns="45720" tIns="45720" rIns="45720" rtlCol="0" anchor="ctr"/>
-            <a:lstStyle/>
-            <a:p>
-              <a:pPr algn="ctr"/>
-              <a:r>
-                <a:rPr lang="en-GB" b="1" dirty="0">
-                  <a:solidFill>
-                    <a:schemeClr val="tx1"/>
-                  </a:solidFill>
-                </a:rPr>
-                <a:t>4</a:t>
-              </a:r>
-            </a:p>
-          </p:txBody>
-        </p:sp>
-      </p:grpSp>
       <p:grpSp>
         <p:nvGrpSpPr>
           <p:cNvPr id="178" name="Group 177">

--- a/4 ⚙️ Solution/70 🌳 Ambient/75 🔒 Brand Padlocks/00 📎 Assets/🔒 .pptx
+++ b/4 ⚙️ Solution/70 🌳 Ambient/75 🔒 Brand Padlocks/00 📎 Assets/🔒 .pptx
@@ -14109,6 +14109,100 @@
           </p:txBody>
         </p:sp>
       </p:grpSp>
+      <p:sp>
+        <p:nvSpPr>
+          <p:cNvPr id="113" name="TextBox 112">
+            <a:extLst>
+              <a:ext uri="{FF2B5EF4-FFF2-40B4-BE49-F238E27FC236}">
+                <a16:creationId xmlns:a16="http://schemas.microsoft.com/office/drawing/2014/main" id="{20D2BFA3-6BC8-9584-A398-30BBB4EB8F4C}"/>
+              </a:ext>
+            </a:extLst>
+          </p:cNvPr>
+          <p:cNvSpPr txBox="1"/>
+          <p:nvPr/>
+        </p:nvSpPr>
+        <p:spPr>
+          <a:xfrm>
+            <a:off x="9300696" y="1769877"/>
+            <a:ext cx="2069385" cy="400110"/>
+          </a:xfrm>
+          <a:prstGeom prst="rect">
+            <a:avLst/>
+          </a:prstGeom>
+          <a:noFill/>
+        </p:spPr>
+        <p:txBody>
+          <a:bodyPr wrap="square">
+            <a:spAutoFit/>
+          </a:bodyPr>
+          <a:lstStyle/>
+          <a:p>
+            <a:r>
+              <a:rPr lang="en-GB" sz="2000" i="1" dirty="0">
+                <a:solidFill>
+                  <a:schemeClr val="bg2">
+                    <a:lumMod val="40000"/>
+                    <a:lumOff val="60000"/>
+                  </a:schemeClr>
+                </a:solidFill>
+                <a:effectLst>
+                  <a:glow>
+                    <a:schemeClr val="bg1"/>
+                  </a:glow>
+                </a:effectLst>
+              </a:rPr>
+              <a:t>NFC commands</a:t>
+            </a:r>
+          </a:p>
+        </p:txBody>
+      </p:sp>
+      <p:sp>
+        <p:nvSpPr>
+          <p:cNvPr id="115" name="TextBox 114">
+            <a:extLst>
+              <a:ext uri="{FF2B5EF4-FFF2-40B4-BE49-F238E27FC236}">
+                <a16:creationId xmlns:a16="http://schemas.microsoft.com/office/drawing/2014/main" id="{7FD0D2FF-523E-7808-20EC-AAACCA56AD32}"/>
+              </a:ext>
+            </a:extLst>
+          </p:cNvPr>
+          <p:cNvSpPr txBox="1"/>
+          <p:nvPr/>
+        </p:nvSpPr>
+        <p:spPr>
+          <a:xfrm>
+            <a:off x="9563457" y="3126323"/>
+            <a:ext cx="2019656" cy="400110"/>
+          </a:xfrm>
+          <a:prstGeom prst="rect">
+            <a:avLst/>
+          </a:prstGeom>
+          <a:noFill/>
+        </p:spPr>
+        <p:txBody>
+          <a:bodyPr wrap="square">
+            <a:spAutoFit/>
+          </a:bodyPr>
+          <a:lstStyle/>
+          <a:p>
+            <a:r>
+              <a:rPr lang="en-GB" sz="2000" i="1" dirty="0">
+                <a:solidFill>
+                  <a:schemeClr val="bg2">
+                    <a:lumMod val="40000"/>
+                    <a:lumOff val="60000"/>
+                  </a:schemeClr>
+                </a:solidFill>
+                <a:effectLst>
+                  <a:glow>
+                    <a:schemeClr val="bg1"/>
+                  </a:glow>
+                </a:effectLst>
+              </a:rPr>
+              <a:t>NFC responses</a:t>
+            </a:r>
+          </a:p>
+        </p:txBody>
+      </p:sp>
       <p:grpSp>
         <p:nvGrpSpPr>
           <p:cNvPr id="178" name="Group 177">
